--- a/slides/yt_dlp.pptx
+++ b/slides/yt_dlp.pptx
@@ -262,7 +262,7 @@
           <a:p>
             <a:fld id="{C2C7E7E2-A7FE-FD44-B284-FCD75B38361D}" type="datetimeFigureOut">
               <a:rPr lang="en-US" smtClean="0"/>
-              <a:t>7/21/24</a:t>
+              <a:t>8/23/25</a:t>
             </a:fld>
             <a:endParaRPr lang="en-US"/>
           </a:p>
@@ -460,7 +460,7 @@
           <a:p>
             <a:fld id="{C2C7E7E2-A7FE-FD44-B284-FCD75B38361D}" type="datetimeFigureOut">
               <a:rPr lang="en-US" smtClean="0"/>
-              <a:t>7/21/24</a:t>
+              <a:t>8/23/25</a:t>
             </a:fld>
             <a:endParaRPr lang="en-US"/>
           </a:p>
@@ -668,7 +668,7 @@
           <a:p>
             <a:fld id="{C2C7E7E2-A7FE-FD44-B284-FCD75B38361D}" type="datetimeFigureOut">
               <a:rPr lang="en-US" smtClean="0"/>
-              <a:t>7/21/24</a:t>
+              <a:t>8/23/25</a:t>
             </a:fld>
             <a:endParaRPr lang="en-US"/>
           </a:p>
@@ -866,7 +866,7 @@
           <a:p>
             <a:fld id="{C2C7E7E2-A7FE-FD44-B284-FCD75B38361D}" type="datetimeFigureOut">
               <a:rPr lang="en-US" smtClean="0"/>
-              <a:t>7/21/24</a:t>
+              <a:t>8/23/25</a:t>
             </a:fld>
             <a:endParaRPr lang="en-US"/>
           </a:p>
@@ -1141,7 +1141,7 @@
           <a:p>
             <a:fld id="{C2C7E7E2-A7FE-FD44-B284-FCD75B38361D}" type="datetimeFigureOut">
               <a:rPr lang="en-US" smtClean="0"/>
-              <a:t>7/21/24</a:t>
+              <a:t>8/23/25</a:t>
             </a:fld>
             <a:endParaRPr lang="en-US"/>
           </a:p>
@@ -1406,7 +1406,7 @@
           <a:p>
             <a:fld id="{C2C7E7E2-A7FE-FD44-B284-FCD75B38361D}" type="datetimeFigureOut">
               <a:rPr lang="en-US" smtClean="0"/>
-              <a:t>7/21/24</a:t>
+              <a:t>8/23/25</a:t>
             </a:fld>
             <a:endParaRPr lang="en-US"/>
           </a:p>
@@ -1823,7 +1823,7 @@
           <a:p>
             <a:fld id="{C2C7E7E2-A7FE-FD44-B284-FCD75B38361D}" type="datetimeFigureOut">
               <a:rPr lang="en-US" smtClean="0"/>
-              <a:t>7/21/24</a:t>
+              <a:t>8/23/25</a:t>
             </a:fld>
             <a:endParaRPr lang="en-US"/>
           </a:p>
@@ -1969,7 +1969,7 @@
           <a:p>
             <a:fld id="{C2C7E7E2-A7FE-FD44-B284-FCD75B38361D}" type="datetimeFigureOut">
               <a:rPr lang="en-US" smtClean="0"/>
-              <a:t>7/21/24</a:t>
+              <a:t>8/23/25</a:t>
             </a:fld>
             <a:endParaRPr lang="en-US"/>
           </a:p>
@@ -2082,7 +2082,7 @@
           <a:p>
             <a:fld id="{C2C7E7E2-A7FE-FD44-B284-FCD75B38361D}" type="datetimeFigureOut">
               <a:rPr lang="en-US" smtClean="0"/>
-              <a:t>7/21/24</a:t>
+              <a:t>8/23/25</a:t>
             </a:fld>
             <a:endParaRPr lang="en-US"/>
           </a:p>
@@ -2393,7 +2393,7 @@
           <a:p>
             <a:fld id="{C2C7E7E2-A7FE-FD44-B284-FCD75B38361D}" type="datetimeFigureOut">
               <a:rPr lang="en-US" smtClean="0"/>
-              <a:t>7/21/24</a:t>
+              <a:t>8/23/25</a:t>
             </a:fld>
             <a:endParaRPr lang="en-US"/>
           </a:p>
@@ -2686,7 +2686,7 @@
           <a:p>
             <a:fld id="{C2C7E7E2-A7FE-FD44-B284-FCD75B38361D}" type="datetimeFigureOut">
               <a:rPr lang="en-US" smtClean="0"/>
-              <a:t>7/21/24</a:t>
+              <a:t>8/23/25</a:t>
             </a:fld>
             <a:endParaRPr lang="en-US"/>
           </a:p>
@@ -2927,7 +2927,7 @@
           <a:p>
             <a:fld id="{C2C7E7E2-A7FE-FD44-B284-FCD75B38361D}" type="datetimeFigureOut">
               <a:rPr lang="en-US" smtClean="0"/>
-              <a:t>7/21/24</a:t>
+              <a:t>8/23/25</a:t>
             </a:fld>
             <a:endParaRPr lang="en-US"/>
           </a:p>
@@ -3423,7 +3423,7 @@
         <p:spPr>
           <a:xfrm>
             <a:off x="498465" y="4216399"/>
-            <a:ext cx="4597224" cy="2031325"/>
+            <a:ext cx="4597224" cy="2585323"/>
           </a:xfrm>
           <a:prstGeom prst="rect">
             <a:avLst/>
@@ -3456,11 +3456,19 @@
               <a:t>&gt;</a:t>
             </a:r>
             <a:r>
-              <a:rPr lang="en-US" dirty="0" err="1"/>
+              <a:rPr lang="en-US" dirty="0" err="1">
+                <a:highlight>
+                  <a:srgbClr val="FF0000"/>
+                </a:highlight>
+              </a:rPr>
               <a:t>yt-dlp</a:t>
             </a:r>
             <a:r>
-              <a:rPr lang="en-US" dirty="0"/>
+              <a:rPr lang="en-US" dirty="0">
+                <a:highlight>
+                  <a:srgbClr val="FF0000"/>
+                </a:highlight>
+              </a:rPr>
               <a:t> ”URL"\</a:t>
             </a:r>
           </a:p>
@@ -3471,33 +3479,63 @@
                   <a:srgbClr val="0000FF"/>
                 </a:highlight>
               </a:rPr>
-              <a:t>    --cookies ”{cookie file address}"\</a:t>
+              <a:t>   --cookies-from-browser chrome\</a:t>
             </a:r>
           </a:p>
           <a:p>
             <a:r>
               <a:rPr lang="en-US" dirty="0">
                 <a:highlight>
-                  <a:srgbClr val="000080"/>
+                  <a:srgbClr val="0000FF"/>
                 </a:highlight>
               </a:rPr>
-              <a:t>    -o ”{download path}/%(title)s_%(</a:t>
+              <a:t>   --no-check-certificates\</a:t>
+            </a:r>
+          </a:p>
+          <a:p>
+            <a:r>
+              <a:rPr lang="en-US" dirty="0">
+                <a:highlight>
+                  <a:srgbClr val="0000FF"/>
+                </a:highlight>
+              </a:rPr>
+              <a:t>   --</a:t>
             </a:r>
             <a:r>
               <a:rPr lang="en-US" dirty="0" err="1">
                 <a:highlight>
-                  <a:srgbClr val="000080"/>
+                  <a:srgbClr val="0000FF"/>
                 </a:highlight>
               </a:rPr>
-              <a:t>ext</a:t>
+              <a:t>ffmpeg</a:t>
             </a:r>
             <a:r>
               <a:rPr lang="en-US" dirty="0">
                 <a:highlight>
-                  <a:srgbClr val="000080"/>
+                  <a:srgbClr val="0000FF"/>
                 </a:highlight>
               </a:rPr>
-              <a:t>)s.mp4"\</a:t>
+              <a:t>-location “{binary file address}"\  </a:t>
+            </a:r>
+          </a:p>
+          <a:p>
+            <a:r>
+              <a:rPr lang="en-US" dirty="0">
+                <a:highlight>
+                  <a:srgbClr val="0000FF"/>
+                </a:highlight>
+              </a:rPr>
+              <a:t>   --no-keep-fragments\</a:t>
+            </a:r>
+          </a:p>
+          <a:p>
+            <a:r>
+              <a:rPr lang="en-US" dirty="0">
+                <a:highlight>
+                  <a:srgbClr val="0000FF"/>
+                </a:highlight>
+              </a:rPr>
+              <a:t>   --write-subs --embed-subs\ </a:t>
             </a:r>
           </a:p>
           <a:p>
@@ -3507,7 +3545,7 @@
                   <a:srgbClr val="008000"/>
                 </a:highlight>
               </a:rPr>
-              <a:t>    --</a:t>
+              <a:t>-o ”{download path}/%(title)s_%(</a:t>
             </a:r>
             <a:r>
               <a:rPr lang="en-US" dirty="0" err="1">
@@ -3515,7 +3553,7 @@
                   <a:srgbClr val="008000"/>
                 </a:highlight>
               </a:rPr>
-              <a:t>ffmpeg</a:t>
+              <a:t>ext</a:t>
             </a:r>
             <a:r>
               <a:rPr lang="en-US" dirty="0">
@@ -3523,7 +3561,7 @@
                   <a:srgbClr val="008000"/>
                 </a:highlight>
               </a:rPr>
-              <a:t>-location “{binary file address}"\</a:t>
+              <a:t>)s.mp4"\</a:t>
             </a:r>
           </a:p>
           <a:p>
@@ -3533,7 +3571,7 @@
                   <a:srgbClr val="FF00FF"/>
                 </a:highlight>
               </a:rPr>
-              <a:t>    -f '</a:t>
+              <a:t>-f '</a:t>
             </a:r>
             <a:r>
               <a:rPr lang="en-US" dirty="0" err="1">
@@ -3587,13 +3625,7 @@
           <a:p>
             <a:r>
               <a:rPr lang="en-US" dirty="0"/>
-              <a:t>    --no-keep-fragments\</a:t>
-            </a:r>
-          </a:p>
-          <a:p>
-            <a:r>
-              <a:rPr lang="en-US" dirty="0"/>
-              <a:t>    --write-subs --embed-subs\</a:t>
+              <a:t>    </a:t>
             </a:r>
           </a:p>
         </p:txBody>
@@ -3616,7 +3648,7 @@
         </p:nvSpPr>
         <p:spPr>
           <a:xfrm>
-            <a:off x="0" y="1"/>
+            <a:off x="-9427" y="-9426"/>
             <a:ext cx="12192000" cy="974070"/>
           </a:xfrm>
           <a:solidFill>
@@ -3709,7 +3741,7 @@
         </p:nvSpPr>
         <p:spPr>
           <a:xfrm>
-            <a:off x="746960" y="3649731"/>
+            <a:off x="761906" y="3661403"/>
             <a:ext cx="894442" cy="435740"/>
           </a:xfrm>
         </p:spPr>
